--- a/poster/POSTER.pptx
+++ b/poster/POSTER.pptx
@@ -34,7 +34,7 @@
       </p:grpSpPr>
       <p:sp>
         <p:nvSpPr>
-          <p:cNvPr id="40" name="PlaceHolder 1"/>
+          <p:cNvPr id="42" name="PlaceHolder 1"/>
           <p:cNvSpPr>
             <a:spLocks noGrp="1"/>
           </p:cNvSpPr>
@@ -61,7 +61,61 @@
               <a:rPr b="0" lang="en-GB" sz="4400" spc="-1" strike="noStrike">
                 <a:latin typeface="Arial"/>
               </a:rPr>
-              <a:t>Click to move the slide</a:t>
+              <a:t>Cli</a:t>
+            </a:r>
+            <a:r>
+              <a:rPr b="0" lang="en-GB" sz="4400" spc="-1" strike="noStrike">
+                <a:latin typeface="Arial"/>
+              </a:rPr>
+              <a:t>ck </a:t>
+            </a:r>
+            <a:r>
+              <a:rPr b="0" lang="en-GB" sz="4400" spc="-1" strike="noStrike">
+                <a:latin typeface="Arial"/>
+              </a:rPr>
+              <a:t>to </a:t>
+            </a:r>
+            <a:r>
+              <a:rPr b="0" lang="en-GB" sz="4400" spc="-1" strike="noStrike">
+                <a:latin typeface="Arial"/>
+              </a:rPr>
+              <a:t>m</a:t>
+            </a:r>
+            <a:r>
+              <a:rPr b="0" lang="en-GB" sz="4400" spc="-1" strike="noStrike">
+                <a:latin typeface="Arial"/>
+              </a:rPr>
+              <a:t>ov</a:t>
+            </a:r>
+            <a:r>
+              <a:rPr b="0" lang="en-GB" sz="4400" spc="-1" strike="noStrike">
+                <a:latin typeface="Arial"/>
+              </a:rPr>
+              <a:t>e </a:t>
+            </a:r>
+            <a:r>
+              <a:rPr b="0" lang="en-GB" sz="4400" spc="-1" strike="noStrike">
+                <a:latin typeface="Arial"/>
+              </a:rPr>
+              <a:t>th</a:t>
+            </a:r>
+            <a:r>
+              <a:rPr b="0" lang="en-GB" sz="4400" spc="-1" strike="noStrike">
+                <a:latin typeface="Arial"/>
+              </a:rPr>
+              <a:t>e </a:t>
+            </a:r>
+            <a:r>
+              <a:rPr b="0" lang="en-GB" sz="4400" spc="-1" strike="noStrike">
+                <a:latin typeface="Arial"/>
+              </a:rPr>
+              <a:t>sli</a:t>
+            </a:r>
+            <a:r>
+              <a:rPr b="0" lang="en-GB" sz="4400" spc="-1" strike="noStrike">
+                <a:latin typeface="Arial"/>
+              </a:rPr>
+              <a:t>de</a:t>
             </a:r>
             <a:endParaRPr b="0" lang="en-GB" sz="4400" spc="-1" strike="noStrike">
               <a:latin typeface="Arial"/>
@@ -71,7 +125,7 @@
       </p:sp>
       <p:sp>
         <p:nvSpPr>
-          <p:cNvPr id="41" name="PlaceHolder 2"/>
+          <p:cNvPr id="43" name="PlaceHolder 2"/>
           <p:cNvSpPr>
             <a:spLocks noGrp="1"/>
           </p:cNvSpPr>
@@ -107,7 +161,7 @@
       </p:sp>
       <p:sp>
         <p:nvSpPr>
-          <p:cNvPr id="42" name="PlaceHolder 3"/>
+          <p:cNvPr id="44" name="PlaceHolder 3"/>
           <p:cNvSpPr>
             <a:spLocks noGrp="1"/>
           </p:cNvSpPr>
@@ -143,7 +197,7 @@
       </p:sp>
       <p:sp>
         <p:nvSpPr>
-          <p:cNvPr id="43" name="PlaceHolder 4"/>
+          <p:cNvPr id="45" name="PlaceHolder 4"/>
           <p:cNvSpPr>
             <a:spLocks noGrp="1"/>
           </p:cNvSpPr>
@@ -180,7 +234,7 @@
       </p:sp>
       <p:sp>
         <p:nvSpPr>
-          <p:cNvPr id="44" name="PlaceHolder 5"/>
+          <p:cNvPr id="46" name="PlaceHolder 5"/>
           <p:cNvSpPr>
             <a:spLocks noGrp="1"/>
           </p:cNvSpPr>
@@ -216,7 +270,7 @@
       </p:sp>
       <p:sp>
         <p:nvSpPr>
-          <p:cNvPr id="45" name="PlaceHolder 6"/>
+          <p:cNvPr id="47" name="PlaceHolder 6"/>
           <p:cNvSpPr>
             <a:spLocks noGrp="1"/>
           </p:cNvSpPr>
@@ -239,7 +293,7 @@
           </a:bodyPr>
           <a:p>
             <a:pPr algn="r"/>
-            <a:fld id="{E83B6E08-27B1-40D7-8866-FC57F1188255}" type="slidenum">
+            <a:fld id="{FFB06042-A34A-4981-87E4-3EB0DA36DEDB}" type="slidenum">
               <a:rPr b="0" lang="en-GB" sz="1400" spc="-1" strike="noStrike">
                 <a:latin typeface="Times New Roman"/>
               </a:rPr>
@@ -276,14 +330,14 @@
       </p:grpSpPr>
       <p:sp>
         <p:nvSpPr>
-          <p:cNvPr id="97" name="CustomShape 1"/>
+          <p:cNvPr id="99" name="CustomShape 1"/>
           <p:cNvSpPr/>
           <p:nvPr/>
         </p:nvSpPr>
         <p:spPr>
           <a:xfrm>
             <a:off x="3884760" y="8685360"/>
-            <a:ext cx="2969640" cy="455040"/>
+            <a:ext cx="2969280" cy="454680"/>
           </a:xfrm>
           <a:custGeom>
             <a:avLst/>
@@ -332,7 +386,7 @@
                 <a:spcPct val="100000"/>
               </a:lnSpc>
             </a:pPr>
-            <a:fld id="{27B9953D-BA25-42C4-81E1-AD4BEC25E84F}" type="slidenum">
+            <a:fld id="{5CA59B75-1190-4C2D-B87D-13E874013D59}" type="slidenum">
               <a:rPr b="0" lang="en-GB" sz="1200" spc="-1" strike="noStrike">
                 <a:solidFill>
                   <a:srgbClr val="1badcf"/>
@@ -349,7 +403,7 @@
       </p:sp>
       <p:sp>
         <p:nvSpPr>
-          <p:cNvPr id="98" name="PlaceHolder 2"/>
+          <p:cNvPr id="100" name="PlaceHolder 2"/>
           <p:cNvSpPr>
             <a:spLocks noGrp="1"/>
           </p:cNvSpPr>
@@ -360,16 +414,16 @@
         <p:spPr>
           <a:xfrm>
             <a:off x="2216160" y="685800"/>
-            <a:ext cx="2423520" cy="3426840"/>
-          </a:xfrm>
-          <a:prstGeom prst="rect">
-            <a:avLst/>
-          </a:prstGeom>
-        </p:spPr>
-      </p:sp>
-      <p:sp>
-        <p:nvSpPr>
-          <p:cNvPr id="99" name="PlaceHolder 3"/>
+            <a:ext cx="2423160" cy="3426480"/>
+          </a:xfrm>
+          <a:prstGeom prst="rect">
+            <a:avLst/>
+          </a:prstGeom>
+        </p:spPr>
+      </p:sp>
+      <p:sp>
+        <p:nvSpPr>
+          <p:cNvPr id="101" name="PlaceHolder 3"/>
           <p:cNvSpPr>
             <a:spLocks noGrp="1"/>
           </p:cNvSpPr>
@@ -380,7 +434,7 @@
         <p:spPr>
           <a:xfrm>
             <a:off x="685800" y="4343400"/>
-            <a:ext cx="5484240" cy="4114800"/>
+            <a:ext cx="5483880" cy="4114800"/>
           </a:xfrm>
           <a:prstGeom prst="rect">
             <a:avLst/>
@@ -443,7 +497,7 @@
       </p:grpSpPr>
       <p:sp>
         <p:nvSpPr>
-          <p:cNvPr id="25" name="PlaceHolder 1"/>
+          <p:cNvPr id="27" name="PlaceHolder 1"/>
           <p:cNvSpPr>
             <a:spLocks noGrp="1"/>
           </p:cNvSpPr>
@@ -474,7 +528,7 @@
       </p:sp>
       <p:sp>
         <p:nvSpPr>
-          <p:cNvPr id="26" name="PlaceHolder 2"/>
+          <p:cNvPr id="28" name="PlaceHolder 2"/>
           <p:cNvSpPr>
             <a:spLocks noGrp="1"/>
           </p:cNvSpPr>
@@ -504,7 +558,7 @@
       </p:sp>
       <p:sp>
         <p:nvSpPr>
-          <p:cNvPr id="27" name="PlaceHolder 3"/>
+          <p:cNvPr id="29" name="PlaceHolder 3"/>
           <p:cNvSpPr>
             <a:spLocks noGrp="1"/>
           </p:cNvSpPr>
@@ -556,7 +610,7 @@
       </p:grpSpPr>
       <p:sp>
         <p:nvSpPr>
-          <p:cNvPr id="28" name="PlaceHolder 1"/>
+          <p:cNvPr id="30" name="PlaceHolder 1"/>
           <p:cNvSpPr>
             <a:spLocks noGrp="1"/>
           </p:cNvSpPr>
@@ -587,7 +641,7 @@
       </p:sp>
       <p:sp>
         <p:nvSpPr>
-          <p:cNvPr id="29" name="PlaceHolder 2"/>
+          <p:cNvPr id="31" name="PlaceHolder 2"/>
           <p:cNvSpPr>
             <a:spLocks noGrp="1"/>
           </p:cNvSpPr>
@@ -617,7 +671,7 @@
       </p:sp>
       <p:sp>
         <p:nvSpPr>
-          <p:cNvPr id="30" name="PlaceHolder 3"/>
+          <p:cNvPr id="32" name="PlaceHolder 3"/>
           <p:cNvSpPr>
             <a:spLocks noGrp="1"/>
           </p:cNvSpPr>
@@ -647,7 +701,7 @@
       </p:sp>
       <p:sp>
         <p:nvSpPr>
-          <p:cNvPr id="31" name="PlaceHolder 4"/>
+          <p:cNvPr id="33" name="PlaceHolder 4"/>
           <p:cNvSpPr>
             <a:spLocks noGrp="1"/>
           </p:cNvSpPr>
@@ -677,7 +731,7 @@
       </p:sp>
       <p:sp>
         <p:nvSpPr>
-          <p:cNvPr id="32" name="PlaceHolder 5"/>
+          <p:cNvPr id="34" name="PlaceHolder 5"/>
           <p:cNvSpPr>
             <a:spLocks noGrp="1"/>
           </p:cNvSpPr>
@@ -729,7 +783,7 @@
       </p:grpSpPr>
       <p:sp>
         <p:nvSpPr>
-          <p:cNvPr id="33" name="PlaceHolder 1"/>
+          <p:cNvPr id="35" name="PlaceHolder 1"/>
           <p:cNvSpPr>
             <a:spLocks noGrp="1"/>
           </p:cNvSpPr>
@@ -760,7 +814,7 @@
       </p:sp>
       <p:sp>
         <p:nvSpPr>
-          <p:cNvPr id="34" name="PlaceHolder 2"/>
+          <p:cNvPr id="36" name="PlaceHolder 2"/>
           <p:cNvSpPr>
             <a:spLocks noGrp="1"/>
           </p:cNvSpPr>
@@ -790,7 +844,7 @@
       </p:sp>
       <p:sp>
         <p:nvSpPr>
-          <p:cNvPr id="35" name="PlaceHolder 3"/>
+          <p:cNvPr id="37" name="PlaceHolder 3"/>
           <p:cNvSpPr>
             <a:spLocks noGrp="1"/>
           </p:cNvSpPr>
@@ -820,7 +874,7 @@
       </p:sp>
       <p:sp>
         <p:nvSpPr>
-          <p:cNvPr id="36" name="PlaceHolder 4"/>
+          <p:cNvPr id="38" name="PlaceHolder 4"/>
           <p:cNvSpPr>
             <a:spLocks noGrp="1"/>
           </p:cNvSpPr>
@@ -850,7 +904,7 @@
       </p:sp>
       <p:sp>
         <p:nvSpPr>
-          <p:cNvPr id="37" name="PlaceHolder 5"/>
+          <p:cNvPr id="39" name="PlaceHolder 5"/>
           <p:cNvSpPr>
             <a:spLocks noGrp="1"/>
           </p:cNvSpPr>
@@ -880,7 +934,7 @@
       </p:sp>
       <p:sp>
         <p:nvSpPr>
-          <p:cNvPr id="38" name="PlaceHolder 6"/>
+          <p:cNvPr id="40" name="PlaceHolder 6"/>
           <p:cNvSpPr>
             <a:spLocks noGrp="1"/>
           </p:cNvSpPr>
@@ -910,7 +964,7 @@
       </p:sp>
       <p:sp>
         <p:nvSpPr>
-          <p:cNvPr id="39" name="PlaceHolder 7"/>
+          <p:cNvPr id="41" name="PlaceHolder 7"/>
           <p:cNvSpPr>
             <a:spLocks noGrp="1"/>
           </p:cNvSpPr>
@@ -962,7 +1016,7 @@
       </p:grpSpPr>
       <p:sp>
         <p:nvSpPr>
-          <p:cNvPr id="4" name="PlaceHolder 1"/>
+          <p:cNvPr id="6" name="PlaceHolder 1"/>
           <p:cNvSpPr>
             <a:spLocks noGrp="1"/>
           </p:cNvSpPr>
@@ -993,7 +1047,7 @@
       </p:sp>
       <p:sp>
         <p:nvSpPr>
-          <p:cNvPr id="5" name="PlaceHolder 2"/>
+          <p:cNvPr id="7" name="PlaceHolder 2"/>
           <p:cNvSpPr>
             <a:spLocks noGrp="1"/>
           </p:cNvSpPr>
@@ -1046,7 +1100,7 @@
       </p:grpSpPr>
       <p:sp>
         <p:nvSpPr>
-          <p:cNvPr id="6" name="PlaceHolder 1"/>
+          <p:cNvPr id="8" name="PlaceHolder 1"/>
           <p:cNvSpPr>
             <a:spLocks noGrp="1"/>
           </p:cNvSpPr>
@@ -1077,7 +1131,7 @@
       </p:sp>
       <p:sp>
         <p:nvSpPr>
-          <p:cNvPr id="7" name="PlaceHolder 2"/>
+          <p:cNvPr id="9" name="PlaceHolder 2"/>
           <p:cNvSpPr>
             <a:spLocks noGrp="1"/>
           </p:cNvSpPr>
@@ -1129,7 +1183,7 @@
       </p:grpSpPr>
       <p:sp>
         <p:nvSpPr>
-          <p:cNvPr id="8" name="PlaceHolder 1"/>
+          <p:cNvPr id="10" name="PlaceHolder 1"/>
           <p:cNvSpPr>
             <a:spLocks noGrp="1"/>
           </p:cNvSpPr>
@@ -1160,7 +1214,7 @@
       </p:sp>
       <p:sp>
         <p:nvSpPr>
-          <p:cNvPr id="9" name="PlaceHolder 2"/>
+          <p:cNvPr id="11" name="PlaceHolder 2"/>
           <p:cNvSpPr>
             <a:spLocks noGrp="1"/>
           </p:cNvSpPr>
@@ -1190,7 +1244,7 @@
       </p:sp>
       <p:sp>
         <p:nvSpPr>
-          <p:cNvPr id="10" name="PlaceHolder 3"/>
+          <p:cNvPr id="12" name="PlaceHolder 3"/>
           <p:cNvSpPr>
             <a:spLocks noGrp="1"/>
           </p:cNvSpPr>
@@ -1242,7 +1296,7 @@
       </p:grpSpPr>
       <p:sp>
         <p:nvSpPr>
-          <p:cNvPr id="11" name="PlaceHolder 1"/>
+          <p:cNvPr id="13" name="PlaceHolder 1"/>
           <p:cNvSpPr>
             <a:spLocks noGrp="1"/>
           </p:cNvSpPr>
@@ -1295,7 +1349,7 @@
       </p:grpSpPr>
       <p:sp>
         <p:nvSpPr>
-          <p:cNvPr id="12" name="PlaceHolder 1"/>
+          <p:cNvPr id="14" name="PlaceHolder 1"/>
           <p:cNvSpPr>
             <a:spLocks noGrp="1"/>
           </p:cNvSpPr>
@@ -1348,7 +1402,7 @@
       </p:grpSpPr>
       <p:sp>
         <p:nvSpPr>
-          <p:cNvPr id="13" name="PlaceHolder 1"/>
+          <p:cNvPr id="15" name="PlaceHolder 1"/>
           <p:cNvSpPr>
             <a:spLocks noGrp="1"/>
           </p:cNvSpPr>
@@ -1379,7 +1433,7 @@
       </p:sp>
       <p:sp>
         <p:nvSpPr>
-          <p:cNvPr id="14" name="PlaceHolder 2"/>
+          <p:cNvPr id="16" name="PlaceHolder 2"/>
           <p:cNvSpPr>
             <a:spLocks noGrp="1"/>
           </p:cNvSpPr>
@@ -1409,7 +1463,7 @@
       </p:sp>
       <p:sp>
         <p:nvSpPr>
-          <p:cNvPr id="15" name="PlaceHolder 3"/>
+          <p:cNvPr id="17" name="PlaceHolder 3"/>
           <p:cNvSpPr>
             <a:spLocks noGrp="1"/>
           </p:cNvSpPr>
@@ -1439,7 +1493,7 @@
       </p:sp>
       <p:sp>
         <p:nvSpPr>
-          <p:cNvPr id="16" name="PlaceHolder 4"/>
+          <p:cNvPr id="18" name="PlaceHolder 4"/>
           <p:cNvSpPr>
             <a:spLocks noGrp="1"/>
           </p:cNvSpPr>
@@ -1491,7 +1545,7 @@
       </p:grpSpPr>
       <p:sp>
         <p:nvSpPr>
-          <p:cNvPr id="17" name="PlaceHolder 1"/>
+          <p:cNvPr id="19" name="PlaceHolder 1"/>
           <p:cNvSpPr>
             <a:spLocks noGrp="1"/>
           </p:cNvSpPr>
@@ -1522,7 +1576,7 @@
       </p:sp>
       <p:sp>
         <p:nvSpPr>
-          <p:cNvPr id="18" name="PlaceHolder 2"/>
+          <p:cNvPr id="20" name="PlaceHolder 2"/>
           <p:cNvSpPr>
             <a:spLocks noGrp="1"/>
           </p:cNvSpPr>
@@ -1552,7 +1606,7 @@
       </p:sp>
       <p:sp>
         <p:nvSpPr>
-          <p:cNvPr id="19" name="PlaceHolder 3"/>
+          <p:cNvPr id="21" name="PlaceHolder 3"/>
           <p:cNvSpPr>
             <a:spLocks noGrp="1"/>
           </p:cNvSpPr>
@@ -1582,7 +1636,7 @@
       </p:sp>
       <p:sp>
         <p:nvSpPr>
-          <p:cNvPr id="20" name="PlaceHolder 4"/>
+          <p:cNvPr id="22" name="PlaceHolder 4"/>
           <p:cNvSpPr>
             <a:spLocks noGrp="1"/>
           </p:cNvSpPr>
@@ -1634,7 +1688,7 @@
       </p:grpSpPr>
       <p:sp>
         <p:nvSpPr>
-          <p:cNvPr id="21" name="PlaceHolder 1"/>
+          <p:cNvPr id="23" name="PlaceHolder 1"/>
           <p:cNvSpPr>
             <a:spLocks noGrp="1"/>
           </p:cNvSpPr>
@@ -1665,7 +1719,7 @@
       </p:sp>
       <p:sp>
         <p:nvSpPr>
-          <p:cNvPr id="22" name="PlaceHolder 2"/>
+          <p:cNvPr id="24" name="PlaceHolder 2"/>
           <p:cNvSpPr>
             <a:spLocks noGrp="1"/>
           </p:cNvSpPr>
@@ -1695,7 +1749,7 @@
       </p:sp>
       <p:sp>
         <p:nvSpPr>
-          <p:cNvPr id="23" name="PlaceHolder 3"/>
+          <p:cNvPr id="25" name="PlaceHolder 3"/>
           <p:cNvSpPr>
             <a:spLocks noGrp="1"/>
           </p:cNvSpPr>
@@ -1725,7 +1779,7 @@
       </p:sp>
       <p:sp>
         <p:nvSpPr>
-          <p:cNvPr id="24" name="PlaceHolder 4"/>
+          <p:cNvPr id="26" name="PlaceHolder 4"/>
           <p:cNvSpPr>
             <a:spLocks noGrp="1"/>
           </p:cNvSpPr>
@@ -1791,7 +1845,7 @@
         <p:spPr>
           <a:xfrm>
             <a:off x="0" y="0"/>
-            <a:ext cx="30273120" cy="5471640"/>
+            <a:ext cx="30272760" cy="5471280"/>
           </a:xfrm>
           <a:prstGeom prst="rect">
             <a:avLst/>
@@ -1819,7 +1873,7 @@
         <p:spPr>
           <a:xfrm>
             <a:off x="477720" y="6248520"/>
-            <a:ext cx="29222280" cy="35622720"/>
+            <a:ext cx="29221920" cy="35622360"/>
           </a:xfrm>
           <a:prstGeom prst="rect">
             <a:avLst/>
@@ -1850,7 +1904,7 @@
         <p:spPr>
           <a:xfrm>
             <a:off x="0" y="0"/>
-            <a:ext cx="30273120" cy="42801480"/>
+            <a:ext cx="30272760" cy="42801120"/>
           </a:xfrm>
           <a:prstGeom prst="rect">
             <a:avLst/>
@@ -1876,7 +1930,7 @@
         <p:spPr>
           <a:xfrm>
             <a:off x="477720" y="42244920"/>
-            <a:ext cx="3306240" cy="153360"/>
+            <a:ext cx="3305880" cy="153360"/>
           </a:xfrm>
           <a:custGeom>
             <a:avLst/>
@@ -1939,6 +1993,222 @@
               <a:t>Poster template by ResearchPosters.co.za</a:t>
             </a:r>
             <a:endParaRPr b="0" lang="en-GB" sz="800" spc="-1" strike="noStrike">
+              <a:latin typeface="Arial"/>
+            </a:endParaRPr>
+          </a:p>
+        </p:txBody>
+      </p:sp>
+      <p:sp>
+        <p:nvSpPr>
+          <p:cNvPr id="4" name="PlaceHolder 5"/>
+          <p:cNvSpPr>
+            <a:spLocks noGrp="1"/>
+          </p:cNvSpPr>
+          <p:nvPr>
+            <p:ph type="title"/>
+          </p:nvPr>
+        </p:nvSpPr>
+        <p:spPr>
+          <a:xfrm>
+            <a:off x="1513440" y="1707840"/>
+            <a:ext cx="27247320" cy="7147800"/>
+          </a:xfrm>
+          <a:prstGeom prst="rect">
+            <a:avLst/>
+          </a:prstGeom>
+        </p:spPr>
+        <p:txBody>
+          <a:bodyPr lIns="0" rIns="0" tIns="0" bIns="0" anchor="ctr">
+            <a:noAutofit/>
+          </a:bodyPr>
+          <a:p>
+            <a:pPr algn="ctr"/>
+            <a:r>
+              <a:rPr b="0" lang="en-GB" sz="4400" spc="-1" strike="noStrike">
+                <a:latin typeface="Arial"/>
+              </a:rPr>
+              <a:t>Click to edit the title text format</a:t>
+            </a:r>
+            <a:endParaRPr b="0" lang="en-GB" sz="4400" spc="-1" strike="noStrike">
+              <a:latin typeface="Arial"/>
+            </a:endParaRPr>
+          </a:p>
+        </p:txBody>
+      </p:sp>
+      <p:sp>
+        <p:nvSpPr>
+          <p:cNvPr id="5" name="PlaceHolder 6"/>
+          <p:cNvSpPr>
+            <a:spLocks noGrp="1"/>
+          </p:cNvSpPr>
+          <p:nvPr>
+            <p:ph type="body"/>
+          </p:nvPr>
+        </p:nvSpPr>
+        <p:spPr>
+          <a:xfrm>
+            <a:off x="1513440" y="10015920"/>
+            <a:ext cx="27247320" cy="24825600"/>
+          </a:xfrm>
+          <a:prstGeom prst="rect">
+            <a:avLst/>
+          </a:prstGeom>
+        </p:spPr>
+        <p:txBody>
+          <a:bodyPr lIns="0" rIns="0" tIns="0" bIns="0">
+            <a:normAutofit/>
+          </a:bodyPr>
+          <a:p>
+            <a:pPr marL="432000" indent="-324000">
+              <a:spcBef>
+                <a:spcPts val="1417"/>
+              </a:spcBef>
+              <a:buClr>
+                <a:srgbClr val="000000"/>
+              </a:buClr>
+              <a:buSzPct val="45000"/>
+              <a:buFont typeface="Wingdings" charset="2"/>
+              <a:buChar char=""/>
+            </a:pPr>
+            <a:r>
+              <a:rPr b="0" lang="en-GB" sz="3200" spc="-1" strike="noStrike">
+                <a:latin typeface="Arial"/>
+              </a:rPr>
+              <a:t>Click to edit the outline text format</a:t>
+            </a:r>
+            <a:endParaRPr b="0" lang="en-GB" sz="3200" spc="-1" strike="noStrike">
+              <a:latin typeface="Arial"/>
+            </a:endParaRPr>
+          </a:p>
+          <a:p>
+            <a:pPr lvl="1" marL="864000" indent="-324000">
+              <a:spcBef>
+                <a:spcPts val="1134"/>
+              </a:spcBef>
+              <a:buClr>
+                <a:srgbClr val="000000"/>
+              </a:buClr>
+              <a:buSzPct val="75000"/>
+              <a:buFont typeface="Symbol" charset="2"/>
+              <a:buChar char=""/>
+            </a:pPr>
+            <a:r>
+              <a:rPr b="0" lang="en-GB" sz="2800" spc="-1" strike="noStrike">
+                <a:latin typeface="Arial"/>
+              </a:rPr>
+              <a:t>Second Outline Level</a:t>
+            </a:r>
+            <a:endParaRPr b="0" lang="en-GB" sz="2800" spc="-1" strike="noStrike">
+              <a:latin typeface="Arial"/>
+            </a:endParaRPr>
+          </a:p>
+          <a:p>
+            <a:pPr lvl="2" marL="1296000" indent="-288000">
+              <a:spcBef>
+                <a:spcPts val="850"/>
+              </a:spcBef>
+              <a:buClr>
+                <a:srgbClr val="000000"/>
+              </a:buClr>
+              <a:buSzPct val="45000"/>
+              <a:buFont typeface="Wingdings" charset="2"/>
+              <a:buChar char=""/>
+            </a:pPr>
+            <a:r>
+              <a:rPr b="0" lang="en-GB" sz="2400" spc="-1" strike="noStrike">
+                <a:latin typeface="Arial"/>
+              </a:rPr>
+              <a:t>Third Outline Level</a:t>
+            </a:r>
+            <a:endParaRPr b="0" lang="en-GB" sz="2400" spc="-1" strike="noStrike">
+              <a:latin typeface="Arial"/>
+            </a:endParaRPr>
+          </a:p>
+          <a:p>
+            <a:pPr lvl="3" marL="1728000" indent="-216000">
+              <a:spcBef>
+                <a:spcPts val="567"/>
+              </a:spcBef>
+              <a:buClr>
+                <a:srgbClr val="000000"/>
+              </a:buClr>
+              <a:buSzPct val="75000"/>
+              <a:buFont typeface="Symbol" charset="2"/>
+              <a:buChar char=""/>
+            </a:pPr>
+            <a:r>
+              <a:rPr b="0" lang="en-GB" sz="2000" spc="-1" strike="noStrike">
+                <a:latin typeface="Arial"/>
+              </a:rPr>
+              <a:t>Fourth Outline Level</a:t>
+            </a:r>
+            <a:endParaRPr b="0" lang="en-GB" sz="2000" spc="-1" strike="noStrike">
+              <a:latin typeface="Arial"/>
+            </a:endParaRPr>
+          </a:p>
+          <a:p>
+            <a:pPr lvl="4" marL="2160000" indent="-216000">
+              <a:spcBef>
+                <a:spcPts val="283"/>
+              </a:spcBef>
+              <a:buClr>
+                <a:srgbClr val="000000"/>
+              </a:buClr>
+              <a:buSzPct val="45000"/>
+              <a:buFont typeface="Wingdings" charset="2"/>
+              <a:buChar char=""/>
+            </a:pPr>
+            <a:r>
+              <a:rPr b="0" lang="en-GB" sz="2000" spc="-1" strike="noStrike">
+                <a:latin typeface="Arial"/>
+              </a:rPr>
+              <a:t>Fifth Outline Level</a:t>
+            </a:r>
+            <a:endParaRPr b="0" lang="en-GB" sz="2000" spc="-1" strike="noStrike">
+              <a:latin typeface="Arial"/>
+            </a:endParaRPr>
+          </a:p>
+          <a:p>
+            <a:pPr lvl="5" marL="2592000" indent="-216000">
+              <a:spcBef>
+                <a:spcPts val="283"/>
+              </a:spcBef>
+              <a:buClr>
+                <a:srgbClr val="000000"/>
+              </a:buClr>
+              <a:buSzPct val="45000"/>
+              <a:buFont typeface="Wingdings" charset="2"/>
+              <a:buChar char=""/>
+            </a:pPr>
+            <a:r>
+              <a:rPr b="0" lang="en-GB" sz="2000" spc="-1" strike="noStrike">
+                <a:latin typeface="Arial"/>
+              </a:rPr>
+              <a:t>Sixth Outline Level</a:t>
+            </a:r>
+            <a:endParaRPr b="0" lang="en-GB" sz="2000" spc="-1" strike="noStrike">
+              <a:latin typeface="Arial"/>
+            </a:endParaRPr>
+          </a:p>
+          <a:p>
+            <a:pPr lvl="6" marL="3024000" indent="-216000">
+              <a:spcBef>
+                <a:spcPts val="283"/>
+              </a:spcBef>
+              <a:buClr>
+                <a:srgbClr val="000000"/>
+              </a:buClr>
+              <a:buSzPct val="45000"/>
+              <a:buFont typeface="Wingdings" charset="2"/>
+              <a:buChar char=""/>
+            </a:pPr>
+            <a:r>
+              <a:rPr b="0" lang="en-GB" sz="2000" spc="-1" strike="noStrike">
+                <a:latin typeface="Arial"/>
+              </a:rPr>
+              <a:t>Seventh Outline Level</a:t>
+            </a:r>
+            <a:endParaRPr b="0" lang="en-GB" sz="2000" spc="-1" strike="noStrike">
               <a:latin typeface="Arial"/>
             </a:endParaRPr>
           </a:p>
@@ -1981,212 +2251,6 @@
           <a:chExt cx="0" cy="0"/>
         </a:xfrm>
       </p:grpSpPr>
-      <p:sp>
-        <p:nvSpPr>
-          <p:cNvPr id="46" name="CustomShape 1"/>
-          <p:cNvSpPr/>
-          <p:nvPr/>
-        </p:nvSpPr>
-        <p:spPr>
-          <a:xfrm>
-            <a:off x="1008000" y="31788000"/>
-            <a:ext cx="8207640" cy="5543640"/>
-          </a:xfrm>
-          <a:prstGeom prst="rect">
-            <a:avLst/>
-          </a:prstGeom>
-          <a:solidFill>
-            <a:srgbClr val="ffffff"/>
-          </a:solidFill>
-          <a:ln w="38160">
-            <a:solidFill>
-              <a:srgbClr val="000000"/>
-            </a:solidFill>
-            <a:round/>
-          </a:ln>
-        </p:spPr>
-        <p:style>
-          <a:lnRef idx="0"/>
-          <a:fillRef idx="0"/>
-          <a:effectRef idx="0"/>
-          <a:fontRef idx="minor"/>
-        </p:style>
-      </p:sp>
-      <p:sp>
-        <p:nvSpPr>
-          <p:cNvPr id="47" name="CustomShape 2"/>
-          <p:cNvSpPr/>
-          <p:nvPr/>
-        </p:nvSpPr>
-        <p:spPr>
-          <a:xfrm>
-            <a:off x="683280" y="27059400"/>
-            <a:ext cx="14148360" cy="3989160"/>
-          </a:xfrm>
-          <a:prstGeom prst="rect">
-            <a:avLst/>
-          </a:prstGeom>
-          <a:noFill/>
-          <a:ln>
-            <a:noFill/>
-          </a:ln>
-        </p:spPr>
-        <p:style>
-          <a:lnRef idx="0"/>
-          <a:fillRef idx="0"/>
-          <a:effectRef idx="0"/>
-          <a:fontRef idx="minor"/>
-        </p:style>
-        <p:txBody>
-          <a:bodyPr lIns="90000" rIns="90000" tIns="45000" bIns="45000">
-            <a:spAutoFit/>
-          </a:bodyPr>
-          <a:p>
-            <a:pPr marL="216000" indent="-214920">
-              <a:lnSpc>
-                <a:spcPct val="100000"/>
-              </a:lnSpc>
-              <a:buClr>
-                <a:srgbClr val="ffffff"/>
-              </a:buClr>
-              <a:buSzPct val="50000"/>
-              <a:buFont typeface="Wingdings" charset="2"/>
-              <a:buChar char=""/>
-            </a:pPr>
-            <a:r>
-              <a:rPr b="0" lang="en-GB" sz="3200" spc="-1" strike="noStrike">
-                <a:solidFill>
-                  <a:srgbClr val="ffffff"/>
-                </a:solidFill>
-                <a:latin typeface="Arial"/>
-                <a:ea typeface="DejaVu Sans"/>
-              </a:rPr>
-              <a:t>Immunova supplies four algorithms for automated gating:</a:t>
-            </a:r>
-            <a:endParaRPr b="0" lang="en-GB" sz="3200" spc="-1" strike="noStrike">
-              <a:latin typeface="Arial"/>
-            </a:endParaRPr>
-          </a:p>
-          <a:p>
-            <a:pPr marL="216000" indent="-214920">
-              <a:lnSpc>
-                <a:spcPct val="100000"/>
-              </a:lnSpc>
-              <a:buClr>
-                <a:srgbClr val="ffffff"/>
-              </a:buClr>
-              <a:buSzPct val="50000"/>
-              <a:buFont typeface="Wingdings" charset="2"/>
-              <a:buChar char=""/>
-            </a:pPr>
-            <a:r>
-              <a:rPr b="1" lang="en-GB" sz="3200" spc="-1" strike="noStrike">
-                <a:solidFill>
-                  <a:srgbClr val="ffffff"/>
-                </a:solidFill>
-                <a:latin typeface="Arial"/>
-                <a:ea typeface="DejaVu Sans"/>
-              </a:rPr>
-              <a:t>Gaussian mixture models (Fig 2A)</a:t>
-            </a:r>
-            <a:r>
-              <a:rPr b="0" lang="en-GB" sz="3200" spc="-1" strike="noStrike">
-                <a:solidFill>
-                  <a:srgbClr val="ffffff"/>
-                </a:solidFill>
-                <a:latin typeface="Arial"/>
-                <a:ea typeface="DejaVu Sans"/>
-              </a:rPr>
-              <a:t> – probabilistic and influenced by a user supplied confidence interval.</a:t>
-            </a:r>
-            <a:endParaRPr b="0" lang="en-GB" sz="3200" spc="-1" strike="noStrike">
-              <a:latin typeface="Arial"/>
-            </a:endParaRPr>
-          </a:p>
-          <a:p>
-            <a:pPr marL="216000" indent="-214920">
-              <a:lnSpc>
-                <a:spcPct val="100000"/>
-              </a:lnSpc>
-              <a:buClr>
-                <a:srgbClr val="ffffff"/>
-              </a:buClr>
-              <a:buSzPct val="50000"/>
-              <a:buFont typeface="Wingdings" charset="2"/>
-              <a:buChar char=""/>
-            </a:pPr>
-            <a:r>
-              <a:rPr b="1" lang="en-GB" sz="3200" spc="-1" strike="noStrike">
-                <a:solidFill>
-                  <a:srgbClr val="ffffff"/>
-                </a:solidFill>
-                <a:latin typeface="Arial"/>
-                <a:ea typeface="DejaVu Sans"/>
-              </a:rPr>
-              <a:t>DBSCAN &amp; HDBSCAN (Fig 2B)</a:t>
-            </a:r>
-            <a:r>
-              <a:rPr b="0" i="1" lang="en-GB" sz="3200" spc="-1" strike="noStrike">
-                <a:solidFill>
-                  <a:srgbClr val="ffffff"/>
-                </a:solidFill>
-                <a:latin typeface="Arial"/>
-                <a:ea typeface="DejaVu Sans"/>
-              </a:rPr>
-              <a:t> –</a:t>
-            </a:r>
-            <a:r>
-              <a:rPr b="0" lang="en-GB" sz="3200" spc="-1" strike="noStrike">
-                <a:solidFill>
-                  <a:srgbClr val="ffffff"/>
-                </a:solidFill>
-                <a:latin typeface="Arial"/>
-                <a:ea typeface="DejaVu Sans"/>
-              </a:rPr>
-              <a:t> density based clustering; DBSCAN is sensitive to choice of hyperparameters, HDBSCAN  is less sensitive but is slower.</a:t>
-            </a:r>
-            <a:endParaRPr b="0" lang="en-GB" sz="3200" spc="-1" strike="noStrike">
-              <a:latin typeface="Arial"/>
-            </a:endParaRPr>
-          </a:p>
-          <a:p>
-            <a:pPr marL="216000" indent="-214920">
-              <a:lnSpc>
-                <a:spcPct val="100000"/>
-              </a:lnSpc>
-              <a:buClr>
-                <a:srgbClr val="ffffff"/>
-              </a:buClr>
-              <a:buSzPct val="50000"/>
-              <a:buFont typeface="Wingdings" charset="2"/>
-              <a:buChar char=""/>
-            </a:pPr>
-            <a:r>
-              <a:rPr b="1" lang="en-GB" sz="3200" spc="-1" strike="noStrike">
-                <a:solidFill>
-                  <a:srgbClr val="ffffff"/>
-                </a:solidFill>
-                <a:latin typeface="Arial"/>
-                <a:ea typeface="DejaVu Sans"/>
-              </a:rPr>
-              <a:t>Density Threshold (Fig 2C) –</a:t>
-            </a:r>
-            <a:r>
-              <a:rPr b="0" lang="en-GB" sz="3200" spc="-1" strike="noStrike">
-                <a:solidFill>
-                  <a:srgbClr val="ffffff"/>
-                </a:solidFill>
-                <a:latin typeface="Arial"/>
-                <a:ea typeface="DejaVu Sans"/>
-              </a:rPr>
-              <a:t> models the properties of 1-dimensional KDE using a peak finding algorithm and local minima calculation.</a:t>
-            </a:r>
-            <a:endParaRPr b="0" lang="en-GB" sz="3200" spc="-1" strike="noStrike">
-              <a:latin typeface="Arial"/>
-            </a:endParaRPr>
-          </a:p>
-        </p:txBody>
-      </p:sp>
       <p:pic>
         <p:nvPicPr>
           <p:cNvPr id="48" name="" descr=""/>
@@ -2199,8 +2263,8 @@
         </p:blipFill>
         <p:spPr>
           <a:xfrm>
-            <a:off x="24720120" y="27342000"/>
-            <a:ext cx="4643280" cy="4481280"/>
+            <a:off x="15329520" y="20894760"/>
+            <a:ext cx="13981680" cy="8570880"/>
           </a:xfrm>
           <a:prstGeom prst="rect">
             <a:avLst/>
@@ -2213,42 +2277,16 @@
           </a:ln>
         </p:spPr>
       </p:pic>
-      <p:pic>
-        <p:nvPicPr>
-          <p:cNvPr id="49" name="" descr=""/>
-          <p:cNvPicPr/>
-          <p:nvPr/>
-        </p:nvPicPr>
-        <p:blipFill>
-          <a:blip r:embed="rId2"/>
-          <a:stretch/>
-        </p:blipFill>
-        <p:spPr>
-          <a:xfrm>
-            <a:off x="15329520" y="20894760"/>
-            <a:ext cx="9328680" cy="6428520"/>
-          </a:xfrm>
-          <a:prstGeom prst="rect">
-            <a:avLst/>
-          </a:prstGeom>
-          <a:ln w="38160">
-            <a:solidFill>
-              <a:srgbClr val="000000"/>
-            </a:solidFill>
-            <a:round/>
-          </a:ln>
-        </p:spPr>
-      </p:pic>
-      <p:sp>
-        <p:nvSpPr>
-          <p:cNvPr id="50" name="CustomShape 3"/>
+      <p:sp>
+        <p:nvSpPr>
+          <p:cNvPr id="49" name="CustomShape 1"/>
           <p:cNvSpPr/>
           <p:nvPr/>
         </p:nvSpPr>
         <p:spPr>
           <a:xfrm>
-            <a:off x="24694920" y="25703280"/>
-            <a:ext cx="4668480" cy="1637280"/>
+            <a:off x="1008000" y="31788000"/>
+            <a:ext cx="8207280" cy="5543280"/>
           </a:xfrm>
           <a:prstGeom prst="rect">
             <a:avLst/>
@@ -2272,14 +2310,14 @@
       </p:sp>
       <p:sp>
         <p:nvSpPr>
-          <p:cNvPr id="51" name="CustomShape 4"/>
+          <p:cNvPr id="50" name="CustomShape 2"/>
           <p:cNvSpPr/>
           <p:nvPr/>
         </p:nvSpPr>
         <p:spPr>
           <a:xfrm>
-            <a:off x="235440" y="245160"/>
-            <a:ext cx="22947120" cy="5082840"/>
+            <a:off x="683280" y="27059400"/>
+            <a:ext cx="14148000" cy="3989160"/>
           </a:xfrm>
           <a:prstGeom prst="rect">
             <a:avLst/>
@@ -2296,6 +2334,238 @@
           <a:fontRef idx="minor"/>
         </p:style>
         <p:txBody>
+          <a:bodyPr lIns="90000" rIns="90000" tIns="45000" bIns="45000">
+            <a:spAutoFit/>
+          </a:bodyPr>
+          <a:p>
+            <a:pPr marL="216000" indent="-214560">
+              <a:lnSpc>
+                <a:spcPct val="100000"/>
+              </a:lnSpc>
+              <a:buClr>
+                <a:srgbClr val="ffffff"/>
+              </a:buClr>
+              <a:buSzPct val="50000"/>
+              <a:buFont typeface="Wingdings" charset="2"/>
+              <a:buChar char=""/>
+            </a:pPr>
+            <a:r>
+              <a:rPr b="0" lang="en-GB" sz="3200" spc="-1" strike="noStrike">
+                <a:solidFill>
+                  <a:srgbClr val="ffffff"/>
+                </a:solidFill>
+                <a:latin typeface="Arial"/>
+                <a:ea typeface="DejaVu Sans"/>
+              </a:rPr>
+              <a:t>Immunova supplies four algorithms for automated gating:</a:t>
+            </a:r>
+            <a:endParaRPr b="0" lang="en-GB" sz="3200" spc="-1" strike="noStrike">
+              <a:latin typeface="Arial"/>
+            </a:endParaRPr>
+          </a:p>
+          <a:p>
+            <a:pPr marL="216000" indent="-214560">
+              <a:lnSpc>
+                <a:spcPct val="100000"/>
+              </a:lnSpc>
+              <a:buClr>
+                <a:srgbClr val="ffffff"/>
+              </a:buClr>
+              <a:buSzPct val="50000"/>
+              <a:buFont typeface="Wingdings" charset="2"/>
+              <a:buChar char=""/>
+            </a:pPr>
+            <a:r>
+              <a:rPr b="1" lang="en-GB" sz="3200" spc="-1" strike="noStrike">
+                <a:solidFill>
+                  <a:srgbClr val="ffffff"/>
+                </a:solidFill>
+                <a:latin typeface="Arial"/>
+                <a:ea typeface="DejaVu Sans"/>
+              </a:rPr>
+              <a:t>Gaussian mixture models (Fig 2A)</a:t>
+            </a:r>
+            <a:r>
+              <a:rPr b="0" lang="en-GB" sz="3200" spc="-1" strike="noStrike">
+                <a:solidFill>
+                  <a:srgbClr val="ffffff"/>
+                </a:solidFill>
+                <a:latin typeface="Arial"/>
+                <a:ea typeface="DejaVu Sans"/>
+              </a:rPr>
+              <a:t> – probabilistic and influenced by a user supplied confidence interval.</a:t>
+            </a:r>
+            <a:endParaRPr b="0" lang="en-GB" sz="3200" spc="-1" strike="noStrike">
+              <a:latin typeface="Arial"/>
+            </a:endParaRPr>
+          </a:p>
+          <a:p>
+            <a:pPr marL="216000" indent="-214560">
+              <a:lnSpc>
+                <a:spcPct val="100000"/>
+              </a:lnSpc>
+              <a:buClr>
+                <a:srgbClr val="ffffff"/>
+              </a:buClr>
+              <a:buSzPct val="50000"/>
+              <a:buFont typeface="Wingdings" charset="2"/>
+              <a:buChar char=""/>
+            </a:pPr>
+            <a:r>
+              <a:rPr b="1" lang="en-GB" sz="3200" spc="-1" strike="noStrike">
+                <a:solidFill>
+                  <a:srgbClr val="ffffff"/>
+                </a:solidFill>
+                <a:latin typeface="Arial"/>
+                <a:ea typeface="DejaVu Sans"/>
+              </a:rPr>
+              <a:t>DBSCAN &amp; HDBSCAN (Fig 2B)</a:t>
+            </a:r>
+            <a:r>
+              <a:rPr b="0" i="1" lang="en-GB" sz="3200" spc="-1" strike="noStrike">
+                <a:solidFill>
+                  <a:srgbClr val="ffffff"/>
+                </a:solidFill>
+                <a:latin typeface="Arial"/>
+                <a:ea typeface="DejaVu Sans"/>
+              </a:rPr>
+              <a:t> –</a:t>
+            </a:r>
+            <a:r>
+              <a:rPr b="0" lang="en-GB" sz="3200" spc="-1" strike="noStrike">
+                <a:solidFill>
+                  <a:srgbClr val="ffffff"/>
+                </a:solidFill>
+                <a:latin typeface="Arial"/>
+                <a:ea typeface="DejaVu Sans"/>
+              </a:rPr>
+              <a:t> density based clustering; DBSCAN is sensitive to choice of hyperparameters, HDBSCAN  is less sensitive but is slower.</a:t>
+            </a:r>
+            <a:endParaRPr b="0" lang="en-GB" sz="3200" spc="-1" strike="noStrike">
+              <a:latin typeface="Arial"/>
+            </a:endParaRPr>
+          </a:p>
+          <a:p>
+            <a:pPr marL="216000" indent="-214560">
+              <a:lnSpc>
+                <a:spcPct val="100000"/>
+              </a:lnSpc>
+              <a:buClr>
+                <a:srgbClr val="ffffff"/>
+              </a:buClr>
+              <a:buSzPct val="50000"/>
+              <a:buFont typeface="Wingdings" charset="2"/>
+              <a:buChar char=""/>
+            </a:pPr>
+            <a:r>
+              <a:rPr b="1" lang="en-GB" sz="3200" spc="-1" strike="noStrike">
+                <a:solidFill>
+                  <a:srgbClr val="ffffff"/>
+                </a:solidFill>
+                <a:latin typeface="Arial"/>
+                <a:ea typeface="DejaVu Sans"/>
+              </a:rPr>
+              <a:t>Density Threshold (Fig 2C) –</a:t>
+            </a:r>
+            <a:r>
+              <a:rPr b="0" lang="en-GB" sz="3200" spc="-1" strike="noStrike">
+                <a:solidFill>
+                  <a:srgbClr val="ffffff"/>
+                </a:solidFill>
+                <a:latin typeface="Arial"/>
+                <a:ea typeface="DejaVu Sans"/>
+              </a:rPr>
+              <a:t> models the properties of 1-dimensional KDE using a peak finding algorithm and local minima calculation.</a:t>
+            </a:r>
+            <a:endParaRPr b="0" lang="en-GB" sz="3200" spc="-1" strike="noStrike">
+              <a:latin typeface="Arial"/>
+            </a:endParaRPr>
+          </a:p>
+        </p:txBody>
+      </p:sp>
+      <p:pic>
+        <p:nvPicPr>
+          <p:cNvPr id="51" name="" descr=""/>
+          <p:cNvPicPr/>
+          <p:nvPr/>
+        </p:nvPicPr>
+        <p:blipFill>
+          <a:blip r:embed="rId2"/>
+          <a:stretch/>
+        </p:blipFill>
+        <p:spPr>
+          <a:xfrm>
+            <a:off x="24656400" y="29552400"/>
+            <a:ext cx="4611600" cy="4488120"/>
+          </a:xfrm>
+          <a:prstGeom prst="rect">
+            <a:avLst/>
+          </a:prstGeom>
+          <a:ln w="38160">
+            <a:solidFill>
+              <a:srgbClr val="000000"/>
+            </a:solidFill>
+            <a:round/>
+          </a:ln>
+        </p:spPr>
+      </p:pic>
+      <p:sp>
+        <p:nvSpPr>
+          <p:cNvPr id="52" name="CustomShape 3"/>
+          <p:cNvSpPr/>
+          <p:nvPr/>
+        </p:nvSpPr>
+        <p:spPr>
+          <a:xfrm>
+            <a:off x="25571880" y="28152000"/>
+            <a:ext cx="3732120" cy="1308600"/>
+          </a:xfrm>
+          <a:prstGeom prst="rect">
+            <a:avLst/>
+          </a:prstGeom>
+          <a:solidFill>
+            <a:srgbClr val="ffffff"/>
+          </a:solidFill>
+          <a:ln w="38160">
+            <a:solidFill>
+              <a:srgbClr val="000000"/>
+            </a:solidFill>
+            <a:round/>
+          </a:ln>
+        </p:spPr>
+        <p:style>
+          <a:lnRef idx="0"/>
+          <a:fillRef idx="0"/>
+          <a:effectRef idx="0"/>
+          <a:fontRef idx="minor"/>
+        </p:style>
+      </p:sp>
+      <p:sp>
+        <p:nvSpPr>
+          <p:cNvPr id="53" name="CustomShape 4"/>
+          <p:cNvSpPr/>
+          <p:nvPr/>
+        </p:nvSpPr>
+        <p:spPr>
+          <a:xfrm>
+            <a:off x="235440" y="245160"/>
+            <a:ext cx="22946760" cy="5082480"/>
+          </a:xfrm>
+          <a:prstGeom prst="rect">
+            <a:avLst/>
+          </a:prstGeom>
+          <a:noFill/>
+          <a:ln>
+            <a:noFill/>
+          </a:ln>
+        </p:spPr>
+        <p:style>
+          <a:lnRef idx="0"/>
+          <a:fillRef idx="0"/>
+          <a:effectRef idx="0"/>
+          <a:fontRef idx="minor"/>
+        </p:style>
+        <p:txBody>
           <a:bodyPr lIns="74880" rIns="74880" tIns="37440" bIns="37440">
             <a:spAutoFit/>
           </a:bodyPr>
@@ -2571,14 +2841,14 @@
       </p:sp>
       <p:sp>
         <p:nvSpPr>
-          <p:cNvPr id="52" name="CustomShape 5"/>
+          <p:cNvPr id="54" name="CustomShape 5"/>
           <p:cNvSpPr/>
           <p:nvPr/>
         </p:nvSpPr>
         <p:spPr>
           <a:xfrm>
             <a:off x="646200" y="6248520"/>
-            <a:ext cx="14471640" cy="623160"/>
+            <a:ext cx="14471280" cy="623160"/>
           </a:xfrm>
           <a:custGeom>
             <a:avLst/>
@@ -2650,7 +2920,7 @@
       </p:sp>
       <p:pic>
         <p:nvPicPr>
-          <p:cNvPr id="53" name="" descr=""/>
+          <p:cNvPr id="55" name="" descr=""/>
           <p:cNvPicPr/>
           <p:nvPr/>
         </p:nvPicPr>
@@ -2661,7 +2931,7 @@
         <p:spPr>
           <a:xfrm>
             <a:off x="25012080" y="565200"/>
-            <a:ext cx="4505760" cy="4328640"/>
+            <a:ext cx="4505400" cy="4328280"/>
           </a:xfrm>
           <a:prstGeom prst="rect">
             <a:avLst/>
@@ -2673,14 +2943,14 @@
       </p:pic>
       <p:sp>
         <p:nvSpPr>
-          <p:cNvPr id="54" name="CustomShape 6"/>
+          <p:cNvPr id="56" name="CustomShape 6"/>
           <p:cNvSpPr/>
           <p:nvPr/>
         </p:nvSpPr>
         <p:spPr>
           <a:xfrm>
             <a:off x="19840680" y="37440000"/>
-            <a:ext cx="9318240" cy="623160"/>
+            <a:ext cx="9317880" cy="623160"/>
           </a:xfrm>
           <a:custGeom>
             <a:avLst/>
@@ -2752,14 +3022,14 @@
       </p:sp>
       <p:sp>
         <p:nvSpPr>
-          <p:cNvPr id="55" name="CustomShape 7"/>
+          <p:cNvPr id="57" name="CustomShape 7"/>
           <p:cNvSpPr/>
           <p:nvPr/>
         </p:nvSpPr>
         <p:spPr>
           <a:xfrm>
             <a:off x="976680" y="37440000"/>
-            <a:ext cx="18606240" cy="623160"/>
+            <a:ext cx="18605880" cy="623160"/>
           </a:xfrm>
           <a:custGeom>
             <a:avLst/>
@@ -2831,14 +3101,14 @@
       </p:sp>
       <p:sp>
         <p:nvSpPr>
-          <p:cNvPr id="56" name="CustomShape 8"/>
+          <p:cNvPr id="58" name="CustomShape 8"/>
           <p:cNvSpPr/>
           <p:nvPr/>
         </p:nvSpPr>
         <p:spPr>
           <a:xfrm>
             <a:off x="15118200" y="6248520"/>
-            <a:ext cx="14471640" cy="623160"/>
+            <a:ext cx="14471280" cy="623160"/>
           </a:xfrm>
           <a:custGeom>
             <a:avLst/>
@@ -2910,14 +3180,14 @@
       </p:sp>
       <p:sp>
         <p:nvSpPr>
-          <p:cNvPr id="57" name="CustomShape 9"/>
+          <p:cNvPr id="59" name="CustomShape 9"/>
           <p:cNvSpPr/>
           <p:nvPr/>
         </p:nvSpPr>
         <p:spPr>
           <a:xfrm>
             <a:off x="646200" y="6872400"/>
-            <a:ext cx="14255640" cy="6000480"/>
+            <a:ext cx="14255280" cy="6000120"/>
           </a:xfrm>
           <a:prstGeom prst="rect">
             <a:avLst/>
@@ -2938,7 +3208,7 @@
             <a:spAutoFit/>
           </a:bodyPr>
           <a:p>
-            <a:pPr marL="216000" indent="-215640" algn="just">
+            <a:pPr marL="216000" indent="-215280" algn="just">
               <a:lnSpc>
                 <a:spcPct val="100000"/>
               </a:lnSpc>
@@ -2973,7 +3243,7 @@
             </a:endParaRPr>
           </a:p>
           <a:p>
-            <a:pPr marL="216000" indent="-215640" algn="just">
+            <a:pPr marL="216000" indent="-215280" algn="just">
               <a:lnSpc>
                 <a:spcPct val="100000"/>
               </a:lnSpc>
@@ -3008,7 +3278,7 @@
             </a:endParaRPr>
           </a:p>
           <a:p>
-            <a:pPr marL="216000" indent="-215640" algn="just">
+            <a:pPr marL="216000" indent="-215280" algn="just">
               <a:lnSpc>
                 <a:spcPct val="100000"/>
               </a:lnSpc>
@@ -3043,7 +3313,7 @@
             </a:endParaRPr>
           </a:p>
           <a:p>
-            <a:pPr marL="216000" indent="-215640" algn="just">
+            <a:pPr marL="216000" indent="-215280" algn="just">
               <a:lnSpc>
                 <a:spcPct val="100000"/>
               </a:lnSpc>
@@ -3098,7 +3368,7 @@
             </a:endParaRPr>
           </a:p>
           <a:p>
-            <a:pPr marL="216000" indent="-214920" algn="just">
+            <a:pPr marL="216000" indent="-214560" algn="just">
               <a:lnSpc>
                 <a:spcPct val="100000"/>
               </a:lnSpc>
@@ -3133,7 +3403,7 @@
             </a:endParaRPr>
           </a:p>
           <a:p>
-            <a:pPr marL="216000" indent="-214920" algn="just">
+            <a:pPr marL="216000" indent="-214560" algn="just">
               <a:lnSpc>
                 <a:spcPct val="100000"/>
               </a:lnSpc>
@@ -3168,7 +3438,7 @@
             </a:endParaRPr>
           </a:p>
           <a:p>
-            <a:pPr marL="216000" indent="-214920" algn="just">
+            <a:pPr marL="216000" indent="-214560" algn="just">
               <a:lnSpc>
                 <a:spcPct val="100000"/>
               </a:lnSpc>
@@ -3216,14 +3486,14 @@
       </p:sp>
       <p:sp>
         <p:nvSpPr>
-          <p:cNvPr id="58" name="CustomShape 10"/>
+          <p:cNvPr id="60" name="CustomShape 10"/>
           <p:cNvSpPr/>
           <p:nvPr/>
         </p:nvSpPr>
         <p:spPr>
           <a:xfrm>
             <a:off x="15052320" y="6867360"/>
-            <a:ext cx="14541840" cy="5451480"/>
+            <a:ext cx="14541480" cy="5451480"/>
           </a:xfrm>
           <a:prstGeom prst="rect">
             <a:avLst/>
@@ -3264,7 +3534,7 @@
             </a:endParaRPr>
           </a:p>
           <a:p>
-            <a:pPr marL="216000" indent="-214920" algn="just">
+            <a:pPr marL="216000" indent="-214560" algn="just">
               <a:lnSpc>
                 <a:spcPct val="100000"/>
               </a:lnSpc>
@@ -3319,7 +3589,7 @@
             </a:endParaRPr>
           </a:p>
           <a:p>
-            <a:pPr marL="216000" indent="-214920" algn="just">
+            <a:pPr marL="216000" indent="-214560" algn="just">
               <a:lnSpc>
                 <a:spcPct val="100000"/>
               </a:lnSpc>
@@ -3374,7 +3644,7 @@
             </a:endParaRPr>
           </a:p>
           <a:p>
-            <a:pPr marL="216000" indent="-214920" algn="just">
+            <a:pPr marL="216000" indent="-214560" algn="just">
               <a:lnSpc>
                 <a:spcPct val="100000"/>
               </a:lnSpc>
@@ -3429,7 +3699,7 @@
             </a:endParaRPr>
           </a:p>
           <a:p>
-            <a:pPr marL="216000" indent="-214920" algn="just">
+            <a:pPr marL="216000" indent="-214560" algn="just">
               <a:lnSpc>
                 <a:spcPct val="100000"/>
               </a:lnSpc>
@@ -3467,14 +3737,14 @@
       </p:sp>
       <p:sp>
         <p:nvSpPr>
-          <p:cNvPr id="59" name="CustomShape 11"/>
+          <p:cNvPr id="61" name="CustomShape 11"/>
           <p:cNvSpPr/>
           <p:nvPr/>
         </p:nvSpPr>
         <p:spPr>
           <a:xfrm>
             <a:off x="3151080" y="19108440"/>
-            <a:ext cx="23613840" cy="676440"/>
+            <a:ext cx="23613480" cy="676440"/>
           </a:xfrm>
           <a:prstGeom prst="rect">
             <a:avLst/>
@@ -3533,14 +3803,14 @@
       </p:sp>
       <p:sp>
         <p:nvSpPr>
-          <p:cNvPr id="60" name="CustomShape 12"/>
+          <p:cNvPr id="62" name="CustomShape 12"/>
           <p:cNvSpPr/>
           <p:nvPr/>
         </p:nvSpPr>
         <p:spPr>
           <a:xfrm>
             <a:off x="15120720" y="20019600"/>
-            <a:ext cx="14471640" cy="623160"/>
+            <a:ext cx="14471280" cy="623160"/>
           </a:xfrm>
           <a:custGeom>
             <a:avLst/>
@@ -3612,14 +3882,14 @@
       </p:sp>
       <p:sp>
         <p:nvSpPr>
-          <p:cNvPr id="61" name="CustomShape 13"/>
+          <p:cNvPr id="63" name="CustomShape 13"/>
           <p:cNvSpPr/>
           <p:nvPr/>
         </p:nvSpPr>
         <p:spPr>
           <a:xfrm>
             <a:off x="612000" y="20019600"/>
-            <a:ext cx="14471640" cy="623160"/>
+            <a:ext cx="14471280" cy="623160"/>
           </a:xfrm>
           <a:custGeom>
             <a:avLst/>
@@ -3691,14 +3961,14 @@
       </p:sp>
       <p:sp>
         <p:nvSpPr>
-          <p:cNvPr id="62" name="CustomShape 14"/>
+          <p:cNvPr id="64" name="CustomShape 14"/>
           <p:cNvSpPr/>
           <p:nvPr/>
         </p:nvSpPr>
         <p:spPr>
           <a:xfrm>
-            <a:off x="24696000" y="20880000"/>
-            <a:ext cx="4668480" cy="4880160"/>
+            <a:off x="24851880" y="22860000"/>
+            <a:ext cx="4459320" cy="5275800"/>
           </a:xfrm>
           <a:prstGeom prst="rect">
             <a:avLst/>
@@ -3787,7 +4057,7 @@
                 <a:latin typeface="Arial Narrow"/>
                 <a:ea typeface="Times New Roman"/>
               </a:rPr>
-              <a:t> T cells (D). Box plot (A) shows performance by F1 score across 14 separate flow cytometry experiments.  Solid line in 2D histograms (B,C,D) show autonomous gate and dotted line manual gate by human expert.</a:t>
+              <a:t> T cells (D). Box plot (A) shows performance by F1 score across 13 separate flow cytometry experiments.  Solid line in 2D histograms (B,C,D) show autonomous gate and dotted line manual gate by human expert.</a:t>
             </a:r>
             <a:endParaRPr b="0" lang="en-GB" sz="2600" spc="-1" strike="noStrike">
               <a:latin typeface="Arial"/>
@@ -3817,14 +4087,14 @@
       </p:sp>
       <p:sp>
         <p:nvSpPr>
-          <p:cNvPr id="63" name="CustomShape 15"/>
+          <p:cNvPr id="65" name="CustomShape 15"/>
           <p:cNvSpPr/>
           <p:nvPr/>
         </p:nvSpPr>
         <p:spPr>
           <a:xfrm>
             <a:off x="720000" y="20844000"/>
-            <a:ext cx="14255640" cy="6083640"/>
+            <a:ext cx="14255280" cy="6083280"/>
           </a:xfrm>
           <a:prstGeom prst="rect">
             <a:avLst/>
@@ -3847,7 +4117,7 @@
       </p:sp>
       <p:pic>
         <p:nvPicPr>
-          <p:cNvPr id="64" name="" descr=""/>
+          <p:cNvPr id="66" name="" descr=""/>
           <p:cNvPicPr/>
           <p:nvPr/>
         </p:nvPicPr>
@@ -3859,7 +4129,7 @@
         <p:spPr>
           <a:xfrm>
             <a:off x="5544000" y="21059640"/>
-            <a:ext cx="4571640" cy="4428000"/>
+            <a:ext cx="4571280" cy="4427640"/>
           </a:xfrm>
           <a:prstGeom prst="rect">
             <a:avLst/>
@@ -3874,14 +4144,14 @@
       </p:pic>
       <p:sp>
         <p:nvSpPr>
-          <p:cNvPr id="65" name="CustomShape 16"/>
+          <p:cNvPr id="67" name="CustomShape 16"/>
           <p:cNvSpPr/>
           <p:nvPr/>
         </p:nvSpPr>
         <p:spPr>
           <a:xfrm>
             <a:off x="5688000" y="23936400"/>
-            <a:ext cx="2895120" cy="1407600"/>
+            <a:ext cx="2894760" cy="1407600"/>
           </a:xfrm>
           <a:prstGeom prst="rect">
             <a:avLst/>
@@ -3960,7 +4230,7 @@
       </p:sp>
       <p:sp>
         <p:nvSpPr>
-          <p:cNvPr id="66" name="Line 17"/>
+          <p:cNvPr id="68" name="Line 17"/>
           <p:cNvSpPr/>
           <p:nvPr/>
         </p:nvSpPr>
@@ -3989,7 +4259,7 @@
       </p:sp>
       <p:sp>
         <p:nvSpPr>
-          <p:cNvPr id="67" name="Line 18"/>
+          <p:cNvPr id="69" name="Line 18"/>
           <p:cNvSpPr/>
           <p:nvPr/>
         </p:nvSpPr>
@@ -4017,14 +4287,14 @@
       </p:sp>
       <p:sp>
         <p:nvSpPr>
-          <p:cNvPr id="68" name="CustomShape 19"/>
+          <p:cNvPr id="70" name="CustomShape 19"/>
           <p:cNvSpPr/>
           <p:nvPr/>
         </p:nvSpPr>
         <p:spPr>
           <a:xfrm>
             <a:off x="5545800" y="21059640"/>
-            <a:ext cx="660600" cy="455400"/>
+            <a:ext cx="660240" cy="455400"/>
           </a:xfrm>
           <a:prstGeom prst="rect">
             <a:avLst/>
@@ -4072,14 +4342,14 @@
       </p:sp>
       <p:sp>
         <p:nvSpPr>
-          <p:cNvPr id="69" name="CustomShape 20"/>
+          <p:cNvPr id="71" name="CustomShape 20"/>
           <p:cNvSpPr/>
           <p:nvPr/>
         </p:nvSpPr>
         <p:spPr>
           <a:xfrm>
             <a:off x="865800" y="25650360"/>
-            <a:ext cx="13821840" cy="486000"/>
+            <a:ext cx="13821480" cy="485640"/>
           </a:xfrm>
           <a:prstGeom prst="rect">
             <a:avLst/>
@@ -4133,7 +4403,7 @@
       </p:sp>
       <p:grpSp>
         <p:nvGrpSpPr>
-          <p:cNvPr id="70" name="Group 21"/>
+          <p:cNvPr id="72" name="Group 21"/>
           <p:cNvGrpSpPr/>
           <p:nvPr/>
         </p:nvGrpSpPr>
@@ -4147,7 +4417,7 @@
         </p:grpSpPr>
         <p:pic>
           <p:nvPicPr>
-            <p:cNvPr id="71" name="" descr=""/>
+            <p:cNvPr id="73" name="" descr=""/>
             <p:cNvPicPr/>
             <p:nvPr/>
           </p:nvPicPr>
@@ -4159,7 +4429,7 @@
           <p:spPr>
             <a:xfrm>
               <a:off x="10369440" y="21067200"/>
-              <a:ext cx="4457880" cy="4416480"/>
+              <a:ext cx="4457520" cy="4416120"/>
             </a:xfrm>
             <a:prstGeom prst="rect">
               <a:avLst/>
@@ -4174,14 +4444,14 @@
         </p:pic>
         <p:sp>
           <p:nvSpPr>
-            <p:cNvPr id="72" name="CustomShape 22"/>
+            <p:cNvPr id="74" name="CustomShape 22"/>
             <p:cNvSpPr/>
             <p:nvPr/>
           </p:nvSpPr>
           <p:spPr>
             <a:xfrm>
               <a:off x="10370520" y="21067200"/>
-              <a:ext cx="653760" cy="485640"/>
+              <a:ext cx="653400" cy="485640"/>
             </a:xfrm>
             <a:prstGeom prst="rect">
               <a:avLst/>
@@ -4229,7 +4499,7 @@
         </p:sp>
         <p:sp>
           <p:nvSpPr>
-            <p:cNvPr id="73" name="Line 23"/>
+            <p:cNvPr id="75" name="Line 23"/>
             <p:cNvSpPr/>
             <p:nvPr/>
           </p:nvSpPr>
@@ -4257,7 +4527,7 @@
         </p:sp>
         <p:sp>
           <p:nvSpPr>
-            <p:cNvPr id="74" name="Line 24"/>
+            <p:cNvPr id="76" name="Line 24"/>
             <p:cNvSpPr/>
             <p:nvPr/>
           </p:nvSpPr>
@@ -4286,7 +4556,7 @@
       </p:grpSp>
       <p:pic>
         <p:nvPicPr>
-          <p:cNvPr id="75" name="" descr=""/>
+          <p:cNvPr id="77" name="" descr=""/>
           <p:cNvPicPr/>
           <p:nvPr/>
         </p:nvPicPr>
@@ -4297,7 +4567,7 @@
         <p:spPr>
           <a:xfrm>
             <a:off x="610200" y="12564000"/>
-            <a:ext cx="28976040" cy="6526080"/>
+            <a:ext cx="28975680" cy="6525720"/>
           </a:xfrm>
           <a:prstGeom prst="rect">
             <a:avLst/>
@@ -4312,7 +4582,7 @@
       </p:pic>
       <p:pic>
         <p:nvPicPr>
-          <p:cNvPr id="76" name="" descr=""/>
+          <p:cNvPr id="78" name="" descr=""/>
           <p:cNvPicPr/>
           <p:nvPr/>
         </p:nvPicPr>
@@ -4322,8 +4592,8 @@
         </p:blipFill>
         <p:spPr>
           <a:xfrm>
-            <a:off x="20011320" y="27368280"/>
-            <a:ext cx="4646880" cy="4470480"/>
+            <a:off x="19979640" y="29564280"/>
+            <a:ext cx="4615200" cy="4477320"/>
           </a:xfrm>
           <a:prstGeom prst="rect">
             <a:avLst/>
@@ -4338,7 +4608,7 @@
       </p:pic>
       <p:pic>
         <p:nvPicPr>
-          <p:cNvPr id="77" name="" descr=""/>
+          <p:cNvPr id="79" name="" descr=""/>
           <p:cNvPicPr/>
           <p:nvPr/>
         </p:nvPicPr>
@@ -4348,8 +4618,8 @@
         </p:blipFill>
         <p:spPr>
           <a:xfrm>
-            <a:off x="15329520" y="27366480"/>
-            <a:ext cx="4607280" cy="4474080"/>
+            <a:off x="15329520" y="29562480"/>
+            <a:ext cx="4575600" cy="4480920"/>
           </a:xfrm>
           <a:prstGeom prst="rect">
             <a:avLst/>
@@ -4364,14 +4634,14 @@
       </p:pic>
       <p:sp>
         <p:nvSpPr>
-          <p:cNvPr id="78" name="CustomShape 25"/>
+          <p:cNvPr id="80" name="CustomShape 25"/>
           <p:cNvSpPr/>
           <p:nvPr/>
         </p:nvSpPr>
         <p:spPr>
           <a:xfrm>
-            <a:off x="24768000" y="25860600"/>
-            <a:ext cx="1509840" cy="455400"/>
+            <a:off x="25594200" y="28277640"/>
+            <a:ext cx="1207080" cy="395280"/>
           </a:xfrm>
           <a:prstGeom prst="rect">
             <a:avLst/>
@@ -4398,7 +4668,7 @@
               </a:lnSpc>
             </a:pPr>
             <a:r>
-              <a:rPr b="0" lang="en-GB" sz="2400" spc="-1" strike="noStrike">
+              <a:rPr b="0" lang="en-GB" sz="2000" spc="-1" strike="noStrike">
                 <a:solidFill>
                   <a:srgbClr val="000000"/>
                 </a:solidFill>
@@ -4407,22 +4677,22 @@
               </a:rPr>
               <a:t>Manual</a:t>
             </a:r>
-            <a:endParaRPr b="0" lang="en-GB" sz="2400" spc="-1" strike="noStrike">
-              <a:latin typeface="Arial"/>
-            </a:endParaRPr>
-          </a:p>
-        </p:txBody>
-      </p:sp>
-      <p:sp>
-        <p:nvSpPr>
-          <p:cNvPr id="79" name="Line 26"/>
+            <a:endParaRPr b="0" lang="en-GB" sz="2000" spc="-1" strike="noStrike">
+              <a:latin typeface="Arial"/>
+            </a:endParaRPr>
+          </a:p>
+        </p:txBody>
+      </p:sp>
+      <p:sp>
+        <p:nvSpPr>
+          <p:cNvPr id="81" name="Line 26"/>
           <p:cNvSpPr/>
           <p:nvPr/>
         </p:nvSpPr>
         <p:spPr>
           <a:xfrm>
-            <a:off x="26640000" y="26100000"/>
-            <a:ext cx="1944000" cy="0"/>
+            <a:off x="27091080" y="28469160"/>
+            <a:ext cx="1554120" cy="0"/>
           </a:xfrm>
           <a:prstGeom prst="line">
             <a:avLst/>
@@ -4444,14 +4714,14 @@
       </p:sp>
       <p:sp>
         <p:nvSpPr>
-          <p:cNvPr id="80" name="CustomShape 27"/>
+          <p:cNvPr id="82" name="CustomShape 27"/>
           <p:cNvSpPr/>
           <p:nvPr/>
         </p:nvSpPr>
         <p:spPr>
           <a:xfrm>
-            <a:off x="24768000" y="26652600"/>
-            <a:ext cx="1581840" cy="821160"/>
+            <a:off x="25594200" y="28910880"/>
+            <a:ext cx="1441800" cy="395280"/>
           </a:xfrm>
           <a:prstGeom prst="rect">
             <a:avLst/>
@@ -4478,7 +4748,7 @@
               </a:lnSpc>
             </a:pPr>
             <a:r>
-              <a:rPr b="0" lang="en-GB" sz="2400" spc="-1" strike="noStrike">
+              <a:rPr b="0" lang="en-GB" sz="2000" spc="-1" strike="noStrike">
                 <a:solidFill>
                   <a:srgbClr val="000000"/>
                 </a:solidFill>
@@ -4487,22 +4757,22 @@
               </a:rPr>
               <a:t>Autonomous</a:t>
             </a:r>
-            <a:endParaRPr b="0" lang="en-GB" sz="2400" spc="-1" strike="noStrike">
-              <a:latin typeface="Arial"/>
-            </a:endParaRPr>
-          </a:p>
-        </p:txBody>
-      </p:sp>
-      <p:sp>
-        <p:nvSpPr>
-          <p:cNvPr id="81" name="Line 28"/>
+            <a:endParaRPr b="0" lang="en-GB" sz="2000" spc="-1" strike="noStrike">
+              <a:latin typeface="Arial"/>
+            </a:endParaRPr>
+          </a:p>
+        </p:txBody>
+      </p:sp>
+      <p:sp>
+        <p:nvSpPr>
+          <p:cNvPr id="83" name="Line 28"/>
           <p:cNvSpPr/>
           <p:nvPr/>
         </p:nvSpPr>
         <p:spPr>
           <a:xfrm>
-            <a:off x="26637840" y="26892000"/>
-            <a:ext cx="1946160" cy="0"/>
+            <a:off x="27089280" y="29102400"/>
+            <a:ext cx="1555920" cy="0"/>
           </a:xfrm>
           <a:prstGeom prst="line">
             <a:avLst/>
@@ -4523,14 +4793,14 @@
       </p:sp>
       <p:sp>
         <p:nvSpPr>
-          <p:cNvPr id="82" name="CustomShape 29"/>
+          <p:cNvPr id="84" name="CustomShape 29"/>
           <p:cNvSpPr/>
           <p:nvPr/>
         </p:nvSpPr>
         <p:spPr>
           <a:xfrm>
-            <a:off x="15624000" y="32459400"/>
-            <a:ext cx="13644360" cy="4476600"/>
+            <a:off x="15624000" y="33539400"/>
+            <a:ext cx="13644000" cy="3501720"/>
           </a:xfrm>
           <a:prstGeom prst="rect">
             <a:avLst/>
@@ -4551,7 +4821,7 @@
             <a:spAutoFit/>
           </a:bodyPr>
           <a:p>
-            <a:pPr marL="216000" indent="-214920">
+            <a:pPr marL="216000" indent="-214560">
               <a:lnSpc>
                 <a:spcPct val="100000"/>
               </a:lnSpc>
@@ -4562,22 +4832,12 @@
               <a:buFont typeface="Wingdings" charset="2"/>
               <a:buChar char=""/>
             </a:pPr>
-            <a:r>
-              <a:rPr b="0" lang="en-GB" sz="3200" spc="-1" strike="noStrike">
-                <a:solidFill>
-                  <a:srgbClr val="ffffff"/>
-                </a:solidFill>
-                <a:latin typeface="Arial"/>
-                <a:ea typeface="DejaVu Sans"/>
-              </a:rPr>
-              <a:t>To establish a proof-of-concept, autonomous gating algorithms have been compared to manual gating by a human expert.</a:t>
-            </a:r>
-            <a:endParaRPr b="0" lang="en-GB" sz="3200" spc="-1" strike="noStrike">
-              <a:latin typeface="Arial"/>
-            </a:endParaRPr>
-          </a:p>
-          <a:p>
-            <a:pPr marL="216000" indent="-214920">
+            <a:endParaRPr b="0" lang="en-GB" sz="1800" spc="-1" strike="noStrike">
+              <a:latin typeface="Arial"/>
+            </a:endParaRPr>
+          </a:p>
+          <a:p>
+            <a:pPr marL="216000" indent="-214560">
               <a:lnSpc>
                 <a:spcPct val="100000"/>
               </a:lnSpc>
@@ -4588,52 +4848,12 @@
               <a:buFont typeface="Wingdings" charset="2"/>
               <a:buChar char=""/>
             </a:pPr>
-            <a:r>
-              <a:rPr b="0" lang="en-GB" sz="3200" spc="-1" strike="noStrike">
-                <a:solidFill>
-                  <a:srgbClr val="ffffff"/>
-                </a:solidFill>
-                <a:latin typeface="Arial"/>
-                <a:ea typeface="Noto Sans CJK SC"/>
-              </a:rPr>
-              <a:t>Fig. 3 demonstrates that </a:t>
-            </a:r>
-            <a:r>
-              <a:rPr b="1" lang="en-GB" sz="3200" spc="-1" strike="noStrike">
-                <a:solidFill>
-                  <a:srgbClr val="ffffff"/>
-                </a:solidFill>
-                <a:latin typeface="Arial"/>
-                <a:ea typeface="Noto Sans CJK SC"/>
-              </a:rPr>
-              <a:t>automated gating algorithms can replicate human identification of cell populations</a:t>
-            </a:r>
-            <a:r>
-              <a:rPr b="0" lang="en-GB" sz="3200" spc="-1" strike="noStrike">
-                <a:solidFill>
-                  <a:srgbClr val="ffffff"/>
-                </a:solidFill>
-                <a:latin typeface="Arial"/>
-                <a:ea typeface="Noto Sans CJK SC"/>
-              </a:rPr>
-              <a:t> including rare subsets such as </a:t>
-            </a:r>
-            <a:r>
-              <a:rPr b="0" lang="en-GB" sz="3200" spc="-1" strike="noStrike">
-                <a:solidFill>
-                  <a:srgbClr val="ffffff"/>
-                </a:solidFill>
-                <a:latin typeface="Arial"/>
-                <a:ea typeface="Times New Roman"/>
-              </a:rPr>
-              <a:t>γδ T cells.</a:t>
-            </a:r>
-            <a:endParaRPr b="0" lang="en-GB" sz="3200" spc="-1" strike="noStrike">
-              <a:latin typeface="Arial"/>
-            </a:endParaRPr>
-          </a:p>
-          <a:p>
-            <a:pPr marL="216000" indent="-214920" algn="just">
+            <a:endParaRPr b="0" lang="en-GB" sz="1800" spc="-1" strike="noStrike">
+              <a:latin typeface="Arial"/>
+            </a:endParaRPr>
+          </a:p>
+          <a:p>
+            <a:pPr marL="216000" indent="-214560">
               <a:lnSpc>
                 <a:spcPct val="100000"/>
               </a:lnSpc>
@@ -4650,26 +4870,82 @@
                   <a:srgbClr val="ffffff"/>
                 </a:solidFill>
                 <a:latin typeface="Arial"/>
+                <a:ea typeface="Noto Sans CJK SC"/>
+              </a:rPr>
+              <a:t>Fig. 3 demonstrates that </a:t>
+            </a:r>
+            <a:r>
+              <a:rPr b="1" lang="en-GB" sz="3200" spc="-1" strike="noStrike">
+                <a:solidFill>
+                  <a:srgbClr val="ffffff"/>
+                </a:solidFill>
+                <a:latin typeface="Arial"/>
+                <a:ea typeface="Noto Sans CJK SC"/>
+              </a:rPr>
+              <a:t>automated gating algorithms can replicate human identification of cell populations</a:t>
+            </a:r>
+            <a:r>
+              <a:rPr b="0" lang="en-GB" sz="3200" spc="-1" strike="noStrike">
+                <a:solidFill>
+                  <a:srgbClr val="ffffff"/>
+                </a:solidFill>
+                <a:latin typeface="Arial"/>
+                <a:ea typeface="Noto Sans CJK SC"/>
+              </a:rPr>
+              <a:t> including rare subsets such as </a:t>
+            </a:r>
+            <a:r>
+              <a:rPr b="0" lang="en-GB" sz="3200" spc="-1" strike="noStrike">
+                <a:solidFill>
+                  <a:srgbClr val="ffffff"/>
+                </a:solidFill>
+                <a:latin typeface="Arial"/>
                 <a:ea typeface="Times New Roman"/>
               </a:rPr>
-              <a:t>Some algorithms provide greater performance than others e.g. the density threshold algorithm is not suitable for identifying γδ T cells, whereas Gaussian Mixture Model and HDBSCAN consistently give good performance</a:t>
+              <a:t>γδ T cells.</a:t>
             </a:r>
             <a:endParaRPr b="0" lang="en-GB" sz="3200" spc="-1" strike="noStrike">
               <a:latin typeface="Arial"/>
             </a:endParaRPr>
           </a:p>
-        </p:txBody>
-      </p:sp>
-      <p:sp>
-        <p:nvSpPr>
-          <p:cNvPr id="83" name="CustomShape 30"/>
+          <a:p>
+            <a:pPr marL="216000" indent="-214560" algn="just">
+              <a:lnSpc>
+                <a:spcPct val="100000"/>
+              </a:lnSpc>
+              <a:buClr>
+                <a:srgbClr val="ffffff"/>
+              </a:buClr>
+              <a:buSzPct val="50000"/>
+              <a:buFont typeface="Wingdings" charset="2"/>
+              <a:buChar char=""/>
+            </a:pPr>
+            <a:r>
+              <a:rPr b="0" lang="en-GB" sz="3200" spc="-1" strike="noStrike">
+                <a:solidFill>
+                  <a:srgbClr val="ffffff"/>
+                </a:solidFill>
+                <a:latin typeface="Arial"/>
+                <a:ea typeface="Times New Roman"/>
+              </a:rPr>
+              <a:t>Some algorithms provide greater performance than others depending on the target population</a:t>
+            </a:r>
+            <a:endParaRPr b="0" lang="en-GB" sz="3200" spc="-1" strike="noStrike">
+              <a:latin typeface="Arial"/>
+            </a:endParaRPr>
+          </a:p>
+        </p:txBody>
+      </p:sp>
+      <p:sp>
+        <p:nvSpPr>
+          <p:cNvPr id="85" name="CustomShape 30"/>
           <p:cNvSpPr/>
           <p:nvPr/>
         </p:nvSpPr>
         <p:spPr>
           <a:xfrm>
             <a:off x="1008000" y="38077200"/>
-            <a:ext cx="18430920" cy="3501720"/>
+            <a:ext cx="18430560" cy="3501720"/>
           </a:xfrm>
           <a:prstGeom prst="rect">
             <a:avLst/>
@@ -4690,7 +4966,7 @@
             <a:spAutoFit/>
           </a:bodyPr>
           <a:p>
-            <a:pPr marL="216000" indent="-214920" algn="just">
+            <a:pPr marL="216000" indent="-214560" algn="just">
               <a:lnSpc>
                 <a:spcPct val="100000"/>
               </a:lnSpc>
@@ -4716,7 +4992,7 @@
             </a:endParaRPr>
           </a:p>
           <a:p>
-            <a:pPr marL="216000" indent="-214920" algn="just">
+            <a:pPr marL="216000" indent="-214560" algn="just">
               <a:lnSpc>
                 <a:spcPct val="100000"/>
               </a:lnSpc>
@@ -4742,7 +5018,7 @@
             </a:endParaRPr>
           </a:p>
           <a:p>
-            <a:pPr marL="216000" indent="-214920" algn="just">
+            <a:pPr marL="216000" indent="-214560" algn="just">
               <a:lnSpc>
                 <a:spcPct val="100000"/>
               </a:lnSpc>
@@ -4768,7 +5044,7 @@
             </a:endParaRPr>
           </a:p>
           <a:p>
-            <a:pPr marL="216000" indent="-214920" algn="just">
+            <a:pPr marL="216000" indent="-214560" algn="just">
               <a:lnSpc>
                 <a:spcPct val="100000"/>
               </a:lnSpc>
@@ -4794,7 +5070,7 @@
             </a:endParaRPr>
           </a:p>
           <a:p>
-            <a:pPr marL="216000" indent="-214920" algn="just">
+            <a:pPr marL="216000" indent="-214560" algn="just">
               <a:lnSpc>
                 <a:spcPct val="100000"/>
               </a:lnSpc>
@@ -4823,14 +5099,14 @@
       </p:sp>
       <p:sp>
         <p:nvSpPr>
-          <p:cNvPr id="84" name="CustomShape 31"/>
+          <p:cNvPr id="86" name="CustomShape 31"/>
           <p:cNvSpPr/>
           <p:nvPr/>
         </p:nvSpPr>
         <p:spPr>
           <a:xfrm>
             <a:off x="19872000" y="38185560"/>
-            <a:ext cx="9142920" cy="3014640"/>
+            <a:ext cx="9142560" cy="3014280"/>
           </a:xfrm>
           <a:prstGeom prst="rect">
             <a:avLst/>
@@ -4874,14 +5150,14 @@
       </p:sp>
       <p:sp>
         <p:nvSpPr>
-          <p:cNvPr id="85" name="CustomShape 32"/>
+          <p:cNvPr id="87" name="CustomShape 32"/>
           <p:cNvSpPr/>
           <p:nvPr/>
         </p:nvSpPr>
         <p:spPr>
           <a:xfrm>
             <a:off x="15329520" y="20894760"/>
-            <a:ext cx="863280" cy="485640"/>
+            <a:ext cx="862920" cy="485640"/>
           </a:xfrm>
           <a:prstGeom prst="rect">
             <a:avLst/>
@@ -4929,14 +5205,14 @@
       </p:sp>
       <p:sp>
         <p:nvSpPr>
-          <p:cNvPr id="86" name="CustomShape 33"/>
+          <p:cNvPr id="88" name="CustomShape 33"/>
           <p:cNvSpPr/>
           <p:nvPr/>
         </p:nvSpPr>
         <p:spPr>
           <a:xfrm>
-            <a:off x="15342480" y="27366480"/>
-            <a:ext cx="863280" cy="485640"/>
+            <a:off x="15337080" y="29538360"/>
+            <a:ext cx="862920" cy="485640"/>
           </a:xfrm>
           <a:prstGeom prst="rect">
             <a:avLst/>
@@ -4984,14 +5260,14 @@
       </p:sp>
       <p:sp>
         <p:nvSpPr>
-          <p:cNvPr id="87" name="CustomShape 34"/>
+          <p:cNvPr id="89" name="CustomShape 34"/>
           <p:cNvSpPr/>
           <p:nvPr/>
         </p:nvSpPr>
         <p:spPr>
           <a:xfrm>
-            <a:off x="20016000" y="27368280"/>
-            <a:ext cx="863280" cy="485640"/>
+            <a:off x="19979640" y="29564280"/>
+            <a:ext cx="862920" cy="486360"/>
           </a:xfrm>
           <a:prstGeom prst="rect">
             <a:avLst/>
@@ -5039,14 +5315,14 @@
       </p:sp>
       <p:sp>
         <p:nvSpPr>
-          <p:cNvPr id="88" name="CustomShape 35"/>
+          <p:cNvPr id="90" name="CustomShape 35"/>
           <p:cNvSpPr/>
           <p:nvPr/>
         </p:nvSpPr>
         <p:spPr>
           <a:xfrm>
-            <a:off x="24720120" y="27368280"/>
-            <a:ext cx="863280" cy="485640"/>
+            <a:off x="24656400" y="29538360"/>
+            <a:ext cx="862920" cy="485640"/>
           </a:xfrm>
           <a:prstGeom prst="rect">
             <a:avLst/>
@@ -5094,7 +5370,7 @@
       </p:sp>
       <p:pic>
         <p:nvPicPr>
-          <p:cNvPr id="89" name="" descr=""/>
+          <p:cNvPr id="91" name="" descr=""/>
           <p:cNvPicPr/>
           <p:nvPr/>
         </p:nvPicPr>
@@ -5106,7 +5382,7 @@
         <p:spPr>
           <a:xfrm>
             <a:off x="934920" y="21059640"/>
-            <a:ext cx="4392720" cy="4428000"/>
+            <a:ext cx="4392360" cy="4427640"/>
           </a:xfrm>
           <a:prstGeom prst="rect">
             <a:avLst/>
@@ -5121,14 +5397,14 @@
       </p:pic>
       <p:sp>
         <p:nvSpPr>
-          <p:cNvPr id="90" name="CustomShape 36"/>
+          <p:cNvPr id="92" name="CustomShape 36"/>
           <p:cNvSpPr/>
           <p:nvPr/>
         </p:nvSpPr>
         <p:spPr>
           <a:xfrm>
             <a:off x="1224000" y="22032000"/>
-            <a:ext cx="1727640" cy="3114000"/>
+            <a:ext cx="1727280" cy="3114000"/>
           </a:xfrm>
           <a:prstGeom prst="rect">
             <a:avLst/>
@@ -5267,14 +5543,14 @@
       </p:sp>
       <p:sp>
         <p:nvSpPr>
-          <p:cNvPr id="91" name="CustomShape 37"/>
+          <p:cNvPr id="93" name="CustomShape 37"/>
           <p:cNvSpPr/>
           <p:nvPr/>
         </p:nvSpPr>
         <p:spPr>
           <a:xfrm>
             <a:off x="934920" y="21059640"/>
-            <a:ext cx="717840" cy="455400"/>
+            <a:ext cx="717480" cy="455400"/>
           </a:xfrm>
           <a:prstGeom prst="rect">
             <a:avLst/>
@@ -5322,14 +5598,14 @@
       </p:sp>
       <p:sp>
         <p:nvSpPr>
-          <p:cNvPr id="92" name="CustomShape 38"/>
+          <p:cNvPr id="94" name="CustomShape 38"/>
           <p:cNvSpPr/>
           <p:nvPr/>
         </p:nvSpPr>
         <p:spPr>
           <a:xfrm>
             <a:off x="612000" y="31092840"/>
-            <a:ext cx="14471640" cy="623160"/>
+            <a:ext cx="14471280" cy="623160"/>
           </a:xfrm>
           <a:custGeom>
             <a:avLst/>
@@ -5401,7 +5677,7 @@
       </p:sp>
       <p:pic>
         <p:nvPicPr>
-          <p:cNvPr id="93" name="" descr=""/>
+          <p:cNvPr id="95" name="" descr=""/>
           <p:cNvPicPr/>
           <p:nvPr/>
         </p:nvPicPr>
@@ -5413,7 +5689,7 @@
         <p:spPr>
           <a:xfrm>
             <a:off x="1292760" y="31896000"/>
-            <a:ext cx="5474880" cy="5255640"/>
+            <a:ext cx="5474520" cy="5255280"/>
           </a:xfrm>
           <a:prstGeom prst="rect">
             <a:avLst/>
@@ -5428,14 +5704,14 @@
       </p:pic>
       <p:sp>
         <p:nvSpPr>
-          <p:cNvPr id="94" name="CustomShape 39"/>
+          <p:cNvPr id="96" name="CustomShape 39"/>
           <p:cNvSpPr/>
           <p:nvPr/>
         </p:nvSpPr>
         <p:spPr>
           <a:xfrm>
             <a:off x="9504000" y="31752000"/>
-            <a:ext cx="5759640" cy="5451840"/>
+            <a:ext cx="5759280" cy="5451480"/>
           </a:xfrm>
           <a:prstGeom prst="rect">
             <a:avLst/>
@@ -5456,7 +5732,7 @@
             <a:spAutoFit/>
           </a:bodyPr>
           <a:p>
-            <a:pPr marL="216000" indent="-214920">
+            <a:pPr marL="216000" indent="-214560">
               <a:lnSpc>
                 <a:spcPct val="100000"/>
               </a:lnSpc>
@@ -5502,7 +5778,7 @@
             </a:endParaRPr>
           </a:p>
           <a:p>
-            <a:pPr marL="216000" indent="-214920">
+            <a:pPr marL="216000" indent="-214560">
               <a:lnSpc>
                 <a:spcPct val="100000"/>
               </a:lnSpc>
@@ -5548,7 +5824,7 @@
             </a:endParaRPr>
           </a:p>
           <a:p>
-            <a:pPr marL="216000" indent="-214920">
+            <a:pPr marL="216000" indent="-214560">
               <a:lnSpc>
                 <a:spcPct val="100000"/>
               </a:lnSpc>
@@ -5587,14 +5863,14 @@
       </p:sp>
       <p:sp>
         <p:nvSpPr>
-          <p:cNvPr id="95" name="CustomShape 40"/>
+          <p:cNvPr id="97" name="CustomShape 40"/>
           <p:cNvSpPr/>
           <p:nvPr/>
         </p:nvSpPr>
         <p:spPr>
           <a:xfrm>
             <a:off x="6923160" y="31788000"/>
-            <a:ext cx="2292480" cy="5276160"/>
+            <a:ext cx="2292120" cy="5275800"/>
           </a:xfrm>
           <a:prstGeom prst="rect">
             <a:avLst/>
@@ -5688,7 +5964,7 @@
       </p:sp>
       <p:pic>
         <p:nvPicPr>
-          <p:cNvPr id="96" name="" descr=""/>
+          <p:cNvPr id="98" name="" descr=""/>
           <p:cNvPicPr/>
           <p:nvPr/>
         </p:nvPicPr>
@@ -5699,7 +5975,7 @@
         <p:spPr>
           <a:xfrm>
             <a:off x="6984000" y="35640000"/>
-            <a:ext cx="1885320" cy="1513800"/>
+            <a:ext cx="1884960" cy="1513440"/>
           </a:xfrm>
           <a:prstGeom prst="rect">
             <a:avLst/>
